--- a/Modulos/ModuloI/ParteII/2.Tidyverse_ggplot.pptx
+++ b/Modulos/ModuloI/ParteII/2.Tidyverse_ggplot.pptx
@@ -266,7 +266,7 @@
           <a:p>
             <a:fld id="{3370B345-EAC5-4C80-96AF-2F3361DC2118}" type="datetimeFigureOut">
               <a:rPr lang="es-PE" smtClean="0"/>
-              <a:t>11/07/2023</a:t>
+              <a:t>17/07/2023</a:t>
             </a:fld>
             <a:endParaRPr lang="es-PE"/>
           </a:p>
@@ -466,7 +466,7 @@
           <a:p>
             <a:fld id="{3370B345-EAC5-4C80-96AF-2F3361DC2118}" type="datetimeFigureOut">
               <a:rPr lang="es-PE" smtClean="0"/>
-              <a:t>11/07/2023</a:t>
+              <a:t>17/07/2023</a:t>
             </a:fld>
             <a:endParaRPr lang="es-PE"/>
           </a:p>
@@ -676,7 +676,7 @@
           <a:p>
             <a:fld id="{3370B345-EAC5-4C80-96AF-2F3361DC2118}" type="datetimeFigureOut">
               <a:rPr lang="es-PE" smtClean="0"/>
-              <a:t>11/07/2023</a:t>
+              <a:t>17/07/2023</a:t>
             </a:fld>
             <a:endParaRPr lang="es-PE"/>
           </a:p>
@@ -876,7 +876,7 @@
           <a:p>
             <a:fld id="{3370B345-EAC5-4C80-96AF-2F3361DC2118}" type="datetimeFigureOut">
               <a:rPr lang="es-PE" smtClean="0"/>
-              <a:t>11/07/2023</a:t>
+              <a:t>17/07/2023</a:t>
             </a:fld>
             <a:endParaRPr lang="es-PE"/>
           </a:p>
@@ -1152,7 +1152,7 @@
           <a:p>
             <a:fld id="{3370B345-EAC5-4C80-96AF-2F3361DC2118}" type="datetimeFigureOut">
               <a:rPr lang="es-PE" smtClean="0"/>
-              <a:t>11/07/2023</a:t>
+              <a:t>17/07/2023</a:t>
             </a:fld>
             <a:endParaRPr lang="es-PE"/>
           </a:p>
@@ -1420,7 +1420,7 @@
           <a:p>
             <a:fld id="{3370B345-EAC5-4C80-96AF-2F3361DC2118}" type="datetimeFigureOut">
               <a:rPr lang="es-PE" smtClean="0"/>
-              <a:t>11/07/2023</a:t>
+              <a:t>17/07/2023</a:t>
             </a:fld>
             <a:endParaRPr lang="es-PE"/>
           </a:p>
@@ -1835,7 +1835,7 @@
           <a:p>
             <a:fld id="{3370B345-EAC5-4C80-96AF-2F3361DC2118}" type="datetimeFigureOut">
               <a:rPr lang="es-PE" smtClean="0"/>
-              <a:t>11/07/2023</a:t>
+              <a:t>17/07/2023</a:t>
             </a:fld>
             <a:endParaRPr lang="es-PE"/>
           </a:p>
@@ -1977,7 +1977,7 @@
           <a:p>
             <a:fld id="{3370B345-EAC5-4C80-96AF-2F3361DC2118}" type="datetimeFigureOut">
               <a:rPr lang="es-PE" smtClean="0"/>
-              <a:t>11/07/2023</a:t>
+              <a:t>17/07/2023</a:t>
             </a:fld>
             <a:endParaRPr lang="es-PE"/>
           </a:p>
@@ -2090,7 +2090,7 @@
           <a:p>
             <a:fld id="{3370B345-EAC5-4C80-96AF-2F3361DC2118}" type="datetimeFigureOut">
               <a:rPr lang="es-PE" smtClean="0"/>
-              <a:t>11/07/2023</a:t>
+              <a:t>17/07/2023</a:t>
             </a:fld>
             <a:endParaRPr lang="es-PE"/>
           </a:p>
@@ -2403,7 +2403,7 @@
           <a:p>
             <a:fld id="{3370B345-EAC5-4C80-96AF-2F3361DC2118}" type="datetimeFigureOut">
               <a:rPr lang="es-PE" smtClean="0"/>
-              <a:t>11/07/2023</a:t>
+              <a:t>17/07/2023</a:t>
             </a:fld>
             <a:endParaRPr lang="es-PE"/>
           </a:p>
@@ -2692,7 +2692,7 @@
           <a:p>
             <a:fld id="{3370B345-EAC5-4C80-96AF-2F3361DC2118}" type="datetimeFigureOut">
               <a:rPr lang="es-PE" smtClean="0"/>
-              <a:t>11/07/2023</a:t>
+              <a:t>17/07/2023</a:t>
             </a:fld>
             <a:endParaRPr lang="es-PE"/>
           </a:p>
@@ -2935,7 +2935,7 @@
           <a:p>
             <a:fld id="{3370B345-EAC5-4C80-96AF-2F3361DC2118}" type="datetimeFigureOut">
               <a:rPr lang="es-PE" smtClean="0"/>
-              <a:t>11/07/2023</a:t>
+              <a:t>17/07/2023</a:t>
             </a:fld>
             <a:endParaRPr lang="es-PE"/>
           </a:p>
@@ -3572,7 +3572,7 @@
         </p:blipFill>
         <p:spPr>
           <a:xfrm>
-            <a:off x="134913" y="2664495"/>
+            <a:off x="134913" y="2677222"/>
             <a:ext cx="5156616" cy="1911571"/>
           </a:xfrm>
           <a:prstGeom prst="rect">
@@ -4892,7 +4892,7 @@
         </p:nvSpPr>
         <p:spPr>
           <a:xfrm>
-            <a:off x="1276742" y="2206695"/>
+            <a:off x="1240515" y="2019731"/>
             <a:ext cx="9710970" cy="4524315"/>
           </a:xfrm>
           <a:prstGeom prst="rect">

--- a/Modulos/ModuloI/ParteII/2.Tidyverse_ggplot.pptx
+++ b/Modulos/ModuloI/ParteII/2.Tidyverse_ggplot.pptx
@@ -266,7 +266,7 @@
           <a:p>
             <a:fld id="{3370B345-EAC5-4C80-96AF-2F3361DC2118}" type="datetimeFigureOut">
               <a:rPr lang="es-PE" smtClean="0"/>
-              <a:t>17/07/2023</a:t>
+              <a:t>9/09/2023</a:t>
             </a:fld>
             <a:endParaRPr lang="es-PE"/>
           </a:p>
@@ -466,7 +466,7 @@
           <a:p>
             <a:fld id="{3370B345-EAC5-4C80-96AF-2F3361DC2118}" type="datetimeFigureOut">
               <a:rPr lang="es-PE" smtClean="0"/>
-              <a:t>17/07/2023</a:t>
+              <a:t>9/09/2023</a:t>
             </a:fld>
             <a:endParaRPr lang="es-PE"/>
           </a:p>
@@ -676,7 +676,7 @@
           <a:p>
             <a:fld id="{3370B345-EAC5-4C80-96AF-2F3361DC2118}" type="datetimeFigureOut">
               <a:rPr lang="es-PE" smtClean="0"/>
-              <a:t>17/07/2023</a:t>
+              <a:t>9/09/2023</a:t>
             </a:fld>
             <a:endParaRPr lang="es-PE"/>
           </a:p>
@@ -876,7 +876,7 @@
           <a:p>
             <a:fld id="{3370B345-EAC5-4C80-96AF-2F3361DC2118}" type="datetimeFigureOut">
               <a:rPr lang="es-PE" smtClean="0"/>
-              <a:t>17/07/2023</a:t>
+              <a:t>9/09/2023</a:t>
             </a:fld>
             <a:endParaRPr lang="es-PE"/>
           </a:p>
@@ -1152,7 +1152,7 @@
           <a:p>
             <a:fld id="{3370B345-EAC5-4C80-96AF-2F3361DC2118}" type="datetimeFigureOut">
               <a:rPr lang="es-PE" smtClean="0"/>
-              <a:t>17/07/2023</a:t>
+              <a:t>9/09/2023</a:t>
             </a:fld>
             <a:endParaRPr lang="es-PE"/>
           </a:p>
@@ -1420,7 +1420,7 @@
           <a:p>
             <a:fld id="{3370B345-EAC5-4C80-96AF-2F3361DC2118}" type="datetimeFigureOut">
               <a:rPr lang="es-PE" smtClean="0"/>
-              <a:t>17/07/2023</a:t>
+              <a:t>9/09/2023</a:t>
             </a:fld>
             <a:endParaRPr lang="es-PE"/>
           </a:p>
@@ -1835,7 +1835,7 @@
           <a:p>
             <a:fld id="{3370B345-EAC5-4C80-96AF-2F3361DC2118}" type="datetimeFigureOut">
               <a:rPr lang="es-PE" smtClean="0"/>
-              <a:t>17/07/2023</a:t>
+              <a:t>9/09/2023</a:t>
             </a:fld>
             <a:endParaRPr lang="es-PE"/>
           </a:p>
@@ -1977,7 +1977,7 @@
           <a:p>
             <a:fld id="{3370B345-EAC5-4C80-96AF-2F3361DC2118}" type="datetimeFigureOut">
               <a:rPr lang="es-PE" smtClean="0"/>
-              <a:t>17/07/2023</a:t>
+              <a:t>9/09/2023</a:t>
             </a:fld>
             <a:endParaRPr lang="es-PE"/>
           </a:p>
@@ -2090,7 +2090,7 @@
           <a:p>
             <a:fld id="{3370B345-EAC5-4C80-96AF-2F3361DC2118}" type="datetimeFigureOut">
               <a:rPr lang="es-PE" smtClean="0"/>
-              <a:t>17/07/2023</a:t>
+              <a:t>9/09/2023</a:t>
             </a:fld>
             <a:endParaRPr lang="es-PE"/>
           </a:p>
@@ -2403,7 +2403,7 @@
           <a:p>
             <a:fld id="{3370B345-EAC5-4C80-96AF-2F3361DC2118}" type="datetimeFigureOut">
               <a:rPr lang="es-PE" smtClean="0"/>
-              <a:t>17/07/2023</a:t>
+              <a:t>9/09/2023</a:t>
             </a:fld>
             <a:endParaRPr lang="es-PE"/>
           </a:p>
@@ -2692,7 +2692,7 @@
           <a:p>
             <a:fld id="{3370B345-EAC5-4C80-96AF-2F3361DC2118}" type="datetimeFigureOut">
               <a:rPr lang="es-PE" smtClean="0"/>
-              <a:t>17/07/2023</a:t>
+              <a:t>9/09/2023</a:t>
             </a:fld>
             <a:endParaRPr lang="es-PE"/>
           </a:p>
@@ -2935,7 +2935,7 @@
           <a:p>
             <a:fld id="{3370B345-EAC5-4C80-96AF-2F3361DC2118}" type="datetimeFigureOut">
               <a:rPr lang="es-PE" smtClean="0"/>
-              <a:t>17/07/2023</a:t>
+              <a:t>9/09/2023</a:t>
             </a:fld>
             <a:endParaRPr lang="es-PE"/>
           </a:p>
@@ -3821,8 +3821,12 @@
           </a:p>
           <a:p>
             <a:r>
+              <a:rPr lang="es-PE" b="1" i="1" dirty="0"/>
+              <a:t>Key </a:t>
+            </a:r>
+            <a:r>
               <a:rPr lang="es-PE" b="1" i="1" dirty="0" err="1"/>
-              <a:t>Keydplyr</a:t>
+              <a:t>dplyr</a:t>
             </a:r>
             <a:r>
               <a:rPr lang="es-PE" b="1" i="1" dirty="0"/>
